--- a/lecture-notes/raspberrypi-gpip-flask.pptx
+++ b/lecture-notes/raspberrypi-gpip-flask.pptx
@@ -116,7 +116,16 @@
       </a:defRPr>
     </a:lvl9pPr>
   </p:defaultTextStyle>
+  <p:extLst>
+    <p:ext uri="{EFAFB233-063F-42B5-8137-9DF3F51BA10A}">
+      <p15:sldGuideLst xmlns:p15="http://schemas.microsoft.com/office/powerpoint/2012/main"/>
+    </p:ext>
+  </p:extLst>
 </p:presentation>
+</file>
+
+<file path=ppt/revisionInfo.xml><?xml version="1.0" encoding="utf-8"?>
+<p1510:revInfo xmlns:a="http://schemas.openxmlformats.org/drawingml/2006/main" xmlns:r="http://schemas.openxmlformats.org/officeDocument/2006/relationships" xmlns:p1510="http://schemas.microsoft.com/office/powerpoint/2015/10/main"/>
 </file>
 
 <file path=ppt/notesMasters/notesMaster1.xml><?xml version="1.0" encoding="utf-8"?>
@@ -201,7 +210,7 @@
           <a:p>
             <a:fld id="{542E431F-1B7B-40B5-9E15-CBED70ED362B}" type="datetimeFigureOut">
               <a:rPr lang="ko-KR" altLang="en-US" smtClean="0"/>
-              <a:t>2017-11-14</a:t>
+              <a:t>2017-11-18</a:t>
             </a:fld>
             <a:endParaRPr lang="ko-KR" altLang="en-US"/>
           </a:p>
@@ -615,7 +624,7 @@
           <a:p>
             <a:fld id="{9D3F027C-0949-4118-AA08-E082F3B8C05D}" type="datetime1">
               <a:rPr lang="ko-KR" altLang="en-US" smtClean="0"/>
-              <a:t>2017-11-14</a:t>
+              <a:t>2017-11-18</a:t>
             </a:fld>
             <a:endParaRPr lang="ko-KR" altLang="en-US"/>
           </a:p>
@@ -813,7 +822,7 @@
           <a:p>
             <a:fld id="{768686DB-42C3-42A7-BE7A-77C91491480B}" type="datetime1">
               <a:rPr lang="ko-KR" altLang="en-US" smtClean="0"/>
-              <a:t>2017-11-14</a:t>
+              <a:t>2017-11-18</a:t>
             </a:fld>
             <a:endParaRPr lang="ko-KR" altLang="en-US"/>
           </a:p>
@@ -1021,7 +1030,7 @@
           <a:p>
             <a:fld id="{2D47A5A9-39D9-43B0-AD94-23583B487893}" type="datetime1">
               <a:rPr lang="ko-KR" altLang="en-US" smtClean="0"/>
-              <a:t>2017-11-14</a:t>
+              <a:t>2017-11-18</a:t>
             </a:fld>
             <a:endParaRPr lang="ko-KR" altLang="en-US"/>
           </a:p>
@@ -1219,7 +1228,7 @@
           <a:p>
             <a:fld id="{F0471581-A6B0-4753-9348-A95314A75836}" type="datetime1">
               <a:rPr lang="ko-KR" altLang="en-US" smtClean="0"/>
-              <a:t>2017-11-14</a:t>
+              <a:t>2017-11-18</a:t>
             </a:fld>
             <a:endParaRPr lang="ko-KR" altLang="en-US"/>
           </a:p>
@@ -1494,7 +1503,7 @@
           <a:p>
             <a:fld id="{9E32B3D9-641E-40E2-879B-7A685CCF72A9}" type="datetime1">
               <a:rPr lang="ko-KR" altLang="en-US" smtClean="0"/>
-              <a:t>2017-11-14</a:t>
+              <a:t>2017-11-18</a:t>
             </a:fld>
             <a:endParaRPr lang="ko-KR" altLang="en-US"/>
           </a:p>
@@ -1759,7 +1768,7 @@
           <a:p>
             <a:fld id="{B10F6678-ACE2-4F97-B018-6C3D377F335D}" type="datetime1">
               <a:rPr lang="ko-KR" altLang="en-US" smtClean="0"/>
-              <a:t>2017-11-14</a:t>
+              <a:t>2017-11-18</a:t>
             </a:fld>
             <a:endParaRPr lang="ko-KR" altLang="en-US"/>
           </a:p>
@@ -2171,7 +2180,7 @@
           <a:p>
             <a:fld id="{28B8E1BE-6A49-41D8-90BF-F9DE282CB72C}" type="datetime1">
               <a:rPr lang="ko-KR" altLang="en-US" smtClean="0"/>
-              <a:t>2017-11-14</a:t>
+              <a:t>2017-11-18</a:t>
             </a:fld>
             <a:endParaRPr lang="ko-KR" altLang="en-US"/>
           </a:p>
@@ -2312,7 +2321,7 @@
           <a:p>
             <a:fld id="{CC5DF0B3-EE3A-43B1-9F4D-5BC180981CA9}" type="datetime1">
               <a:rPr lang="ko-KR" altLang="en-US" smtClean="0"/>
-              <a:t>2017-11-14</a:t>
+              <a:t>2017-11-18</a:t>
             </a:fld>
             <a:endParaRPr lang="ko-KR" altLang="en-US"/>
           </a:p>
@@ -2425,7 +2434,7 @@
           <a:p>
             <a:fld id="{2C459D40-7196-4427-8449-8534EBA402F0}" type="datetime1">
               <a:rPr lang="ko-KR" altLang="en-US" smtClean="0"/>
-              <a:t>2017-11-14</a:t>
+              <a:t>2017-11-18</a:t>
             </a:fld>
             <a:endParaRPr lang="ko-KR" altLang="en-US"/>
           </a:p>
@@ -2736,7 +2745,7 @@
           <a:p>
             <a:fld id="{416A2187-4CE0-4470-8837-0841B09A7E62}" type="datetime1">
               <a:rPr lang="ko-KR" altLang="en-US" smtClean="0"/>
-              <a:t>2017-11-14</a:t>
+              <a:t>2017-11-18</a:t>
             </a:fld>
             <a:endParaRPr lang="ko-KR" altLang="en-US"/>
           </a:p>
@@ -3024,7 +3033,7 @@
           <a:p>
             <a:fld id="{98C7C43E-DB4E-4F67-A651-6D8549EEA5C4}" type="datetime1">
               <a:rPr lang="ko-KR" altLang="en-US" smtClean="0"/>
-              <a:t>2017-11-14</a:t>
+              <a:t>2017-11-18</a:t>
             </a:fld>
             <a:endParaRPr lang="ko-KR" altLang="en-US"/>
           </a:p>
@@ -3265,7 +3274,7 @@
           <a:p>
             <a:fld id="{B34466A6-0076-4442-813D-783F8D5380CB}" type="datetime1">
               <a:rPr lang="ko-KR" altLang="en-US" smtClean="0"/>
-              <a:t>2017-11-14</a:t>
+              <a:t>2017-11-18</a:t>
             </a:fld>
             <a:endParaRPr lang="ko-KR" altLang="en-US"/>
           </a:p>
@@ -6347,52 +6356,54 @@
         </p:nvSpPr>
         <p:spPr/>
         <p:txBody>
-          <a:bodyPr/>
+          <a:bodyPr>
+            <a:normAutofit/>
+          </a:bodyPr>
           <a:lstStyle/>
           <a:p>
             <a:r>
-              <a:rPr lang="en-US" altLang="ko-KR" dirty="0"/>
+              <a:rPr lang="en-US" altLang="ko-KR" sz="2400" dirty="0"/>
               <a:t>$ </a:t>
             </a:r>
             <a:r>
-              <a:rPr lang="en-US" altLang="ko-KR" dirty="0" err="1"/>
+              <a:rPr lang="en-US" altLang="ko-KR" sz="2400" dirty="0" err="1"/>
               <a:t>wget</a:t>
             </a:r>
             <a:r>
-              <a:rPr lang="en-US" altLang="ko-KR" dirty="0"/>
+              <a:rPr lang="en-US" altLang="ko-KR" sz="2400" dirty="0"/>
               <a:t> </a:t>
             </a:r>
             <a:r>
-              <a:rPr lang="en-US" altLang="ko-KR" dirty="0">
+              <a:rPr lang="en-US" altLang="ko-KR" sz="2400" dirty="0">
                 <a:hlinkClick r:id="rId2"/>
               </a:rPr>
-              <a:t>http://192.168.0.13/on</a:t>
-            </a:r>
-            <a:endParaRPr lang="en-US" altLang="ko-KR" dirty="0"/>
-          </a:p>
-          <a:p>
-            <a:r>
-              <a:rPr lang="en-US" altLang="ko-KR" dirty="0"/>
+              <a:t>http://192.168.0.13:5000/on</a:t>
+            </a:r>
+            <a:endParaRPr lang="en-US" altLang="ko-KR" sz="2400" dirty="0"/>
+          </a:p>
+          <a:p>
+            <a:r>
+              <a:rPr lang="en-US" altLang="ko-KR" sz="2400" dirty="0"/>
               <a:t>$ </a:t>
             </a:r>
             <a:r>
-              <a:rPr lang="en-US" altLang="ko-KR" dirty="0" err="1"/>
+              <a:rPr lang="en-US" altLang="ko-KR" sz="2400" dirty="0" err="1"/>
               <a:t>wget</a:t>
             </a:r>
             <a:r>
-              <a:rPr lang="en-US" altLang="ko-KR" dirty="0"/>
+              <a:rPr lang="en-US" altLang="ko-KR" sz="2400" dirty="0"/>
               <a:t> </a:t>
             </a:r>
             <a:r>
-              <a:rPr lang="en-US" altLang="ko-KR" dirty="0">
+              <a:rPr lang="en-US" altLang="ko-KR" sz="2400" dirty="0">
                 <a:hlinkClick r:id="rId3"/>
               </a:rPr>
-              <a:t>http://192.168.0.13/off</a:t>
-            </a:r>
-            <a:endParaRPr lang="en-US" altLang="ko-KR" dirty="0"/>
-          </a:p>
-          <a:p>
-            <a:endParaRPr lang="ko-KR" altLang="en-US" dirty="0"/>
+              <a:t>http://192.168.0.13:5000/off</a:t>
+            </a:r>
+            <a:endParaRPr lang="en-US" altLang="ko-KR" sz="2400" dirty="0"/>
+          </a:p>
+          <a:p>
+            <a:endParaRPr lang="ko-KR" altLang="en-US" sz="2400" dirty="0"/>
           </a:p>
         </p:txBody>
       </p:sp>
@@ -8521,41 +8532,43 @@
         </p:nvSpPr>
         <p:spPr/>
         <p:txBody>
-          <a:bodyPr/>
+          <a:bodyPr>
+            <a:normAutofit/>
+          </a:bodyPr>
           <a:lstStyle/>
           <a:p>
             <a:r>
-              <a:rPr lang="en-US" altLang="ko-KR" dirty="0"/>
+              <a:rPr lang="en-US" altLang="ko-KR" sz="2400" dirty="0"/>
               <a:t>$ </a:t>
             </a:r>
             <a:r>
-              <a:rPr lang="en-US" altLang="ko-KR" dirty="0" err="1"/>
+              <a:rPr lang="en-US" altLang="ko-KR" sz="2400" dirty="0" err="1"/>
               <a:t>wget</a:t>
             </a:r>
             <a:r>
-              <a:rPr lang="en-US" altLang="ko-KR" dirty="0"/>
+              <a:rPr lang="en-US" altLang="ko-KR" sz="2400" dirty="0"/>
               <a:t> </a:t>
             </a:r>
             <a:r>
-              <a:rPr lang="en-US" altLang="ko-KR" dirty="0">
+              <a:rPr lang="en-US" altLang="ko-KR" sz="2400" dirty="0">
                 <a:hlinkClick r:id="rId2"/>
               </a:rPr>
-              <a:t>http://192.168.0.13/button</a:t>
-            </a:r>
-            <a:endParaRPr lang="en-US" altLang="ko-KR" dirty="0"/>
-          </a:p>
-          <a:p>
-            <a:r>
-              <a:rPr lang="en-US" altLang="ko-KR" dirty="0"/>
+              <a:t>http://192.168.0.13:5000/button</a:t>
+            </a:r>
+            <a:endParaRPr lang="en-US" altLang="ko-KR" sz="2400" dirty="0"/>
+          </a:p>
+          <a:p>
+            <a:r>
+              <a:rPr lang="en-US" altLang="ko-KR" sz="2400" dirty="0"/>
               <a:t>Button:1</a:t>
             </a:r>
           </a:p>
           <a:p>
             <a:r>
-              <a:rPr lang="en-US" altLang="ko-KR" dirty="0"/>
+              <a:rPr lang="en-US" altLang="ko-KR" sz="2400" dirty="0"/>
               <a:t>Button:0</a:t>
             </a:r>
-            <a:endParaRPr lang="ko-KR" altLang="en-US" dirty="0"/>
+            <a:endParaRPr lang="ko-KR" altLang="en-US" sz="2400" dirty="0"/>
           </a:p>
         </p:txBody>
       </p:sp>
@@ -8712,12 +8725,20 @@
           </a:p>
           <a:p>
             <a:r>
+              <a:rPr lang="en-US" altLang="ko-KR" sz="1600" dirty="0" err="1">
+                <a:latin typeface="Hack" panose="020B0609030202020204" pitchFamily="49" charset="0"/>
+                <a:ea typeface="Hack" panose="020B0609030202020204" pitchFamily="49" charset="0"/>
+                <a:cs typeface="Hack" panose="020B0609030202020204" pitchFamily="49" charset="0"/>
+              </a:rPr>
+              <a:t>btn</a:t>
+            </a:r>
+            <a:r>
               <a:rPr lang="en-US" altLang="ko-KR" sz="1600" dirty="0">
                 <a:latin typeface="Hack" panose="020B0609030202020204" pitchFamily="49" charset="0"/>
                 <a:ea typeface="Hack" panose="020B0609030202020204" pitchFamily="49" charset="0"/>
                 <a:cs typeface="Hack" panose="020B0609030202020204" pitchFamily="49" charset="0"/>
               </a:rPr>
-              <a:t>button=21 # GPIO channel number</a:t>
+              <a:t>=21 # GPIO channel number</a:t>
             </a:r>
           </a:p>
           <a:p>
@@ -8735,7 +8756,23 @@
                 <a:ea typeface="Hack" panose="020B0609030202020204" pitchFamily="49" charset="0"/>
                 <a:cs typeface="Hack" panose="020B0609030202020204" pitchFamily="49" charset="0"/>
               </a:rPr>
-              <a:t>(button, GPIO.IN, GPIO.PUD_UP)</a:t>
+              <a:t>(</a:t>
+            </a:r>
+            <a:r>
+              <a:rPr lang="en-US" altLang="ko-KR" sz="1600" dirty="0" err="1">
+                <a:latin typeface="Hack" panose="020B0609030202020204" pitchFamily="49" charset="0"/>
+                <a:ea typeface="Hack" panose="020B0609030202020204" pitchFamily="49" charset="0"/>
+                <a:cs typeface="Hack" panose="020B0609030202020204" pitchFamily="49" charset="0"/>
+              </a:rPr>
+              <a:t>btn</a:t>
+            </a:r>
+            <a:r>
+              <a:rPr lang="en-US" altLang="ko-KR" sz="1600" dirty="0">
+                <a:latin typeface="Hack" panose="020B0609030202020204" pitchFamily="49" charset="0"/>
+                <a:ea typeface="Hack" panose="020B0609030202020204" pitchFamily="49" charset="0"/>
+                <a:cs typeface="Hack" panose="020B0609030202020204" pitchFamily="49" charset="0"/>
+              </a:rPr>
+              <a:t>, GPIO.IN, GPIO.PUD_UP)</a:t>
             </a:r>
           </a:p>
           <a:p>
@@ -8925,7 +8962,23 @@
                 <a:ea typeface="Hack" panose="020B0609030202020204" pitchFamily="49" charset="0"/>
                 <a:cs typeface="Hack" panose="020B0609030202020204" pitchFamily="49" charset="0"/>
               </a:rPr>
-              <a:t>(button)</a:t>
+              <a:t>(</a:t>
+            </a:r>
+            <a:r>
+              <a:rPr lang="en-US" altLang="ko-KR" sz="1600" dirty="0" err="1">
+                <a:latin typeface="Hack" panose="020B0609030202020204" pitchFamily="49" charset="0"/>
+                <a:ea typeface="Hack" panose="020B0609030202020204" pitchFamily="49" charset="0"/>
+                <a:cs typeface="Hack" panose="020B0609030202020204" pitchFamily="49" charset="0"/>
+              </a:rPr>
+              <a:t>btn</a:t>
+            </a:r>
+            <a:r>
+              <a:rPr lang="en-US" altLang="ko-KR" sz="1600" dirty="0">
+                <a:latin typeface="Hack" panose="020B0609030202020204" pitchFamily="49" charset="0"/>
+                <a:ea typeface="Hack" panose="020B0609030202020204" pitchFamily="49" charset="0"/>
+                <a:cs typeface="Hack" panose="020B0609030202020204" pitchFamily="49" charset="0"/>
+              </a:rPr>
+              <a:t>)</a:t>
             </a:r>
           </a:p>
           <a:p>

--- a/lecture-notes/raspberrypi-gpip-flask.pptx
+++ b/lecture-notes/raspberrypi-gpip-flask.pptx
@@ -210,7 +210,7 @@
           <a:p>
             <a:fld id="{542E431F-1B7B-40B5-9E15-CBED70ED362B}" type="datetimeFigureOut">
               <a:rPr lang="ko-KR" altLang="en-US" smtClean="0"/>
-              <a:t>2017-11-18</a:t>
+              <a:t>2017-11-20</a:t>
             </a:fld>
             <a:endParaRPr lang="ko-KR" altLang="en-US"/>
           </a:p>
@@ -624,7 +624,7 @@
           <a:p>
             <a:fld id="{9D3F027C-0949-4118-AA08-E082F3B8C05D}" type="datetime1">
               <a:rPr lang="ko-KR" altLang="en-US" smtClean="0"/>
-              <a:t>2017-11-18</a:t>
+              <a:t>2017-11-20</a:t>
             </a:fld>
             <a:endParaRPr lang="ko-KR" altLang="en-US"/>
           </a:p>
@@ -822,7 +822,7 @@
           <a:p>
             <a:fld id="{768686DB-42C3-42A7-BE7A-77C91491480B}" type="datetime1">
               <a:rPr lang="ko-KR" altLang="en-US" smtClean="0"/>
-              <a:t>2017-11-18</a:t>
+              <a:t>2017-11-20</a:t>
             </a:fld>
             <a:endParaRPr lang="ko-KR" altLang="en-US"/>
           </a:p>
@@ -1030,7 +1030,7 @@
           <a:p>
             <a:fld id="{2D47A5A9-39D9-43B0-AD94-23583B487893}" type="datetime1">
               <a:rPr lang="ko-KR" altLang="en-US" smtClean="0"/>
-              <a:t>2017-11-18</a:t>
+              <a:t>2017-11-20</a:t>
             </a:fld>
             <a:endParaRPr lang="ko-KR" altLang="en-US"/>
           </a:p>
@@ -1228,7 +1228,7 @@
           <a:p>
             <a:fld id="{F0471581-A6B0-4753-9348-A95314A75836}" type="datetime1">
               <a:rPr lang="ko-KR" altLang="en-US" smtClean="0"/>
-              <a:t>2017-11-18</a:t>
+              <a:t>2017-11-20</a:t>
             </a:fld>
             <a:endParaRPr lang="ko-KR" altLang="en-US"/>
           </a:p>
@@ -1503,7 +1503,7 @@
           <a:p>
             <a:fld id="{9E32B3D9-641E-40E2-879B-7A685CCF72A9}" type="datetime1">
               <a:rPr lang="ko-KR" altLang="en-US" smtClean="0"/>
-              <a:t>2017-11-18</a:t>
+              <a:t>2017-11-20</a:t>
             </a:fld>
             <a:endParaRPr lang="ko-KR" altLang="en-US"/>
           </a:p>
@@ -1768,7 +1768,7 @@
           <a:p>
             <a:fld id="{B10F6678-ACE2-4F97-B018-6C3D377F335D}" type="datetime1">
               <a:rPr lang="ko-KR" altLang="en-US" smtClean="0"/>
-              <a:t>2017-11-18</a:t>
+              <a:t>2017-11-20</a:t>
             </a:fld>
             <a:endParaRPr lang="ko-KR" altLang="en-US"/>
           </a:p>
@@ -2180,7 +2180,7 @@
           <a:p>
             <a:fld id="{28B8E1BE-6A49-41D8-90BF-F9DE282CB72C}" type="datetime1">
               <a:rPr lang="ko-KR" altLang="en-US" smtClean="0"/>
-              <a:t>2017-11-18</a:t>
+              <a:t>2017-11-20</a:t>
             </a:fld>
             <a:endParaRPr lang="ko-KR" altLang="en-US"/>
           </a:p>
@@ -2321,7 +2321,7 @@
           <a:p>
             <a:fld id="{CC5DF0B3-EE3A-43B1-9F4D-5BC180981CA9}" type="datetime1">
               <a:rPr lang="ko-KR" altLang="en-US" smtClean="0"/>
-              <a:t>2017-11-18</a:t>
+              <a:t>2017-11-20</a:t>
             </a:fld>
             <a:endParaRPr lang="ko-KR" altLang="en-US"/>
           </a:p>
@@ -2434,7 +2434,7 @@
           <a:p>
             <a:fld id="{2C459D40-7196-4427-8449-8534EBA402F0}" type="datetime1">
               <a:rPr lang="ko-KR" altLang="en-US" smtClean="0"/>
-              <a:t>2017-11-18</a:t>
+              <a:t>2017-11-20</a:t>
             </a:fld>
             <a:endParaRPr lang="ko-KR" altLang="en-US"/>
           </a:p>
@@ -2745,7 +2745,7 @@
           <a:p>
             <a:fld id="{416A2187-4CE0-4470-8837-0841B09A7E62}" type="datetime1">
               <a:rPr lang="ko-KR" altLang="en-US" smtClean="0"/>
-              <a:t>2017-11-18</a:t>
+              <a:t>2017-11-20</a:t>
             </a:fld>
             <a:endParaRPr lang="ko-KR" altLang="en-US"/>
           </a:p>
@@ -3033,7 +3033,7 @@
           <a:p>
             <a:fld id="{98C7C43E-DB4E-4F67-A651-6D8549EEA5C4}" type="datetime1">
               <a:rPr lang="ko-KR" altLang="en-US" smtClean="0"/>
-              <a:t>2017-11-18</a:t>
+              <a:t>2017-11-20</a:t>
             </a:fld>
             <a:endParaRPr lang="ko-KR" altLang="en-US"/>
           </a:p>
@@ -3274,7 +3274,7 @@
           <a:p>
             <a:fld id="{B34466A6-0076-4442-813D-783F8D5380CB}" type="datetime1">
               <a:rPr lang="ko-KR" altLang="en-US" smtClean="0"/>
-              <a:t>2017-11-18</a:t>
+              <a:t>2017-11-20</a:t>
             </a:fld>
             <a:endParaRPr lang="ko-KR" altLang="en-US"/>
           </a:p>
@@ -9345,7 +9345,7 @@
           <a:p>
             <a:r>
               <a:rPr lang="en-US" altLang="ko-KR" dirty="0"/>
-              <a:t>Write an web service</a:t>
+              <a:t>Write a web service</a:t>
             </a:r>
           </a:p>
           <a:p>
